--- a/presentations/GPN201806-perfSONAR-10-Hardware-Small_Nodes-v6.pptx
+++ b/presentations/GPN201806-perfSONAR-10-Hardware-Small_Nodes-v6.pptx
@@ -244,7 +244,7 @@
           <a:p>
             <a:fld id="{21D980FC-0759-CA42-B022-0B54C3274F97}" type="datetimeFigureOut">
               <a:rPr lang="en-US" smtClean="0"/>
-              <a:t>5/31/18</a:t>
+              <a:t>6/1/18</a:t>
             </a:fld>
             <a:endParaRPr lang="en-US"/>
           </a:p>
@@ -410,7 +410,7 @@
           <a:p>
             <a:fld id="{0FEC92A4-9BD9-794B-BE3A-04EDF069D8A0}" type="datetimeFigureOut">
               <a:rPr lang="en-US" smtClean="0"/>
-              <a:t>5/31/18</a:t>
+              <a:t>6/1/18</a:t>
             </a:fld>
             <a:endParaRPr lang="en-US"/>
           </a:p>
@@ -13261,8 +13261,8 @@
         </p:nvSpPr>
         <p:spPr>
           <a:xfrm>
-            <a:off x="1964267" y="2828717"/>
-            <a:ext cx="7086600" cy="1314450"/>
+            <a:off x="1964267" y="2632472"/>
+            <a:ext cx="7086600" cy="1510695"/>
           </a:xfrm>
           <a:prstGeom prst="rect">
             <a:avLst/>
@@ -13270,7 +13270,7 @@
         </p:spPr>
         <p:txBody>
           <a:bodyPr vert="horz" lIns="91440" tIns="45720" rIns="91440" bIns="45720" rtlCol="0">
-            <a:normAutofit fontScale="62500" lnSpcReduction="20000"/>
+            <a:normAutofit fontScale="55000" lnSpcReduction="20000"/>
           </a:bodyPr>
           <a:lstStyle>
             <a:lvl1pPr marL="0" indent="0" algn="ctr" defTabSz="457200" rtl="0" eaLnBrk="1" latinLnBrk="0" hangingPunct="1">
@@ -13439,34 +13439,97 @@
             <a:endParaRPr lang="en-US" b="1" i="1" dirty="0"/>
           </a:p>
           <a:p>
-            <a:pPr algn="r"/>
+            <a:pPr lvl="0" algn="r">
+              <a:lnSpc>
+                <a:spcPct val="80000"/>
+              </a:lnSpc>
+              <a:buSzPts val="1665"/>
+            </a:pPr>
             <a:r>
               <a:rPr lang="en-US" dirty="0"/>
-              <a:t>Scott Chevalier, </a:t>
+              <a:t>Scott Chevalier — </a:t>
             </a:r>
             <a:r>
               <a:rPr lang="en-US" dirty="0">
                 <a:hlinkClick r:id="rId4"/>
               </a:rPr>
-              <a:t>IN@IU</a:t>
-            </a:r>
+              <a:t>schevali@iu.edu</a:t>
+            </a:r>
+            <a:endParaRPr lang="en-US" dirty="0"/>
+          </a:p>
+          <a:p>
+            <a:pPr lvl="0" algn="r">
+              <a:lnSpc>
+                <a:spcPct val="80000"/>
+              </a:lnSpc>
+              <a:buSzPts val="1665"/>
+            </a:pPr>
             <a:r>
               <a:rPr lang="en-US" dirty="0"/>
-              <a:t>, </a:t>
+              <a:t>George Robb — </a:t>
             </a:r>
             <a:r>
               <a:rPr lang="en-US" dirty="0">
                 <a:hlinkClick r:id="rId5"/>
               </a:rPr>
-              <a:t>schevali@iu.edu</a:t>
+              <a:t>robbg@missouri.edu</a:t>
             </a:r>
             <a:endParaRPr lang="en-US" dirty="0"/>
           </a:p>
           <a:p>
-            <a:pPr algn="r"/>
+            <a:pPr lvl="0" algn="r">
+              <a:lnSpc>
+                <a:spcPct val="80000"/>
+              </a:lnSpc>
+              <a:buSzPts val="1665"/>
+            </a:pPr>
             <a:r>
               <a:rPr lang="en-US" dirty="0"/>
-              <a:t>2018-06-01</a:t>
+              <a:t>Matt </a:t>
+            </a:r>
+            <a:r>
+              <a:rPr lang="en-US" dirty="0" err="1"/>
+              <a:t>Younkins</a:t>
+            </a:r>
+            <a:r>
+              <a:rPr lang="en-US" dirty="0"/>
+              <a:t> - </a:t>
+            </a:r>
+            <a:r>
+              <a:rPr lang="en-US" dirty="0">
+                <a:hlinkClick r:id="rId6"/>
+              </a:rPr>
+              <a:t>younkinsm@ou.edu</a:t>
+            </a:r>
+            <a:r>
+              <a:rPr lang="en-US" dirty="0"/>
+              <a:t> </a:t>
+            </a:r>
+            <a:endParaRPr lang="en-US" sz="4400" dirty="0"/>
+          </a:p>
+          <a:p>
+            <a:pPr lvl="0" algn="r">
+              <a:lnSpc>
+                <a:spcPct val="80000"/>
+              </a:lnSpc>
+              <a:spcBef>
+                <a:spcPts val="750"/>
+              </a:spcBef>
+              <a:buClr>
+                <a:schemeClr val="dk1"/>
+              </a:buClr>
+              <a:buSzPts val="1665"/>
+            </a:pPr>
+            <a:r>
+              <a:rPr lang="en-US" dirty="0">
+                <a:solidFill>
+                  <a:schemeClr val="dk1"/>
+                </a:solidFill>
+                <a:ea typeface="Calibri"/>
+                <a:cs typeface="Calibri"/>
+                <a:sym typeface="Calibri"/>
+              </a:rPr>
+              <a:t>June 1, 2018</a:t>
             </a:r>
           </a:p>
           <a:p>
@@ -13669,8 +13732,8 @@
         </p:nvSpPr>
         <p:spPr>
           <a:xfrm>
-            <a:off x="1964267" y="2828717"/>
-            <a:ext cx="7086600" cy="1314450"/>
+            <a:off x="736169" y="2487477"/>
+            <a:ext cx="8314698" cy="1655689"/>
           </a:xfrm>
           <a:prstGeom prst="rect">
             <a:avLst/>
@@ -13678,7 +13741,7 @@
         </p:spPr>
         <p:txBody>
           <a:bodyPr vert="horz" lIns="91440" tIns="45720" rIns="91440" bIns="45720" rtlCol="0">
-            <a:normAutofit fontScale="62500" lnSpcReduction="20000"/>
+            <a:normAutofit fontScale="55000" lnSpcReduction="20000"/>
           </a:bodyPr>
           <a:lstStyle>
             <a:lvl1pPr marL="0" indent="0" algn="ctr" defTabSz="457200" rtl="0" eaLnBrk="1" latinLnBrk="0" hangingPunct="1">
@@ -13847,34 +13910,97 @@
             <a:endParaRPr lang="en-US" b="1" i="1" dirty="0"/>
           </a:p>
           <a:p>
-            <a:pPr algn="r"/>
+            <a:pPr lvl="0" algn="r">
+              <a:lnSpc>
+                <a:spcPct val="80000"/>
+              </a:lnSpc>
+              <a:buSzPts val="1665"/>
+            </a:pPr>
             <a:r>
               <a:rPr lang="en-US" dirty="0"/>
-              <a:t>Scott Chevalier, </a:t>
+              <a:t>Scott Chevalier — </a:t>
             </a:r>
             <a:r>
               <a:rPr lang="en-US" dirty="0">
                 <a:hlinkClick r:id="rId4"/>
               </a:rPr>
-              <a:t>IN@IU</a:t>
-            </a:r>
+              <a:t>schevali@iu.edu</a:t>
+            </a:r>
+            <a:endParaRPr lang="en-US" dirty="0"/>
+          </a:p>
+          <a:p>
+            <a:pPr lvl="0" algn="r">
+              <a:lnSpc>
+                <a:spcPct val="80000"/>
+              </a:lnSpc>
+              <a:buSzPts val="1665"/>
+            </a:pPr>
             <a:r>
               <a:rPr lang="en-US" dirty="0"/>
-              <a:t>, </a:t>
+              <a:t>George Robb — </a:t>
             </a:r>
             <a:r>
               <a:rPr lang="en-US" dirty="0">
                 <a:hlinkClick r:id="rId5"/>
               </a:rPr>
-              <a:t>schevali@iu.edu</a:t>
+              <a:t>robbg@missouri.edu</a:t>
             </a:r>
             <a:endParaRPr lang="en-US" dirty="0"/>
           </a:p>
           <a:p>
-            <a:pPr algn="r"/>
+            <a:pPr lvl="0" algn="r">
+              <a:lnSpc>
+                <a:spcPct val="80000"/>
+              </a:lnSpc>
+              <a:buSzPts val="1665"/>
+            </a:pPr>
             <a:r>
               <a:rPr lang="en-US" dirty="0"/>
-              <a:t>2018-06-01</a:t>
+              <a:t>Matt </a:t>
+            </a:r>
+            <a:r>
+              <a:rPr lang="en-US" dirty="0" err="1"/>
+              <a:t>Younkins</a:t>
+            </a:r>
+            <a:r>
+              <a:rPr lang="en-US" dirty="0"/>
+              <a:t> - </a:t>
+            </a:r>
+            <a:r>
+              <a:rPr lang="en-US" dirty="0">
+                <a:hlinkClick r:id="rId6"/>
+              </a:rPr>
+              <a:t>younkinsm@ou.edu</a:t>
+            </a:r>
+            <a:r>
+              <a:rPr lang="en-US" dirty="0"/>
+              <a:t> </a:t>
+            </a:r>
+            <a:endParaRPr lang="en-US" sz="2800" dirty="0"/>
+          </a:p>
+          <a:p>
+            <a:pPr lvl="0" algn="r">
+              <a:lnSpc>
+                <a:spcPct val="80000"/>
+              </a:lnSpc>
+              <a:spcBef>
+                <a:spcPts val="750"/>
+              </a:spcBef>
+              <a:buClr>
+                <a:schemeClr val="dk1"/>
+              </a:buClr>
+              <a:buSzPts val="1665"/>
+            </a:pPr>
+            <a:r>
+              <a:rPr lang="en-US" dirty="0">
+                <a:solidFill>
+                  <a:schemeClr val="dk1"/>
+                </a:solidFill>
+                <a:ea typeface="Calibri"/>
+                <a:cs typeface="Calibri"/>
+                <a:sym typeface="Calibri"/>
+              </a:rPr>
+              <a:t>June 1, 2018</a:t>
             </a:r>
           </a:p>
           <a:p>
